--- a/Final.pptx
+++ b/Final.pptx
@@ -7792,11 +7792,18 @@
               <a:t>M</a:t>
             </a:r>
             <a:r>
+              <a:rPr lang="ro-RO" sz="1600">
+                <a:latin typeface="Calibri" panose="020F0502020204030204" pitchFamily="34" charset="0"/>
+                <a:cs typeface="Calibri" panose="020F0502020204030204" pitchFamily="34" charset="0"/>
+              </a:rPr>
+              <a:t>odulul </a:t>
+            </a:r>
+            <a:r>
               <a:rPr lang="ro-RO" sz="1600" dirty="0">
                 <a:latin typeface="Calibri" panose="020F0502020204030204" pitchFamily="34" charset="0"/>
                 <a:cs typeface="Calibri" panose="020F0502020204030204" pitchFamily="34" charset="0"/>
               </a:rPr>
-              <a:t>odul Verilog Acc</a:t>
+              <a:t>Verilog Acc</a:t>
             </a:r>
             <a:r>
               <a:rPr lang="en-US" sz="1600" dirty="0">
